--- a/PPT/第三部分 软件测试应用/11.8 测试停止依据.pptx
+++ b/PPT/第三部分 软件测试应用/11.8 测试停止依据.pptx
@@ -5557,7 +5557,7 @@
               </a:spcBef>
             </a:pPr>
             <a:r>
-              <a:rPr lang="zh-CN" altLang="en-US" sz="2800" dirty="0"/>
+              <a:rPr lang="zh-CN" altLang="en-US" sz="2800" b="1" dirty="0"/>
               <a:t>第一类标准：测试超过了预定时间，则停止测试。</a:t>
             </a:r>
           </a:p>
@@ -5568,7 +5568,7 @@
               </a:spcBef>
             </a:pPr>
             <a:r>
-              <a:rPr lang="zh-CN" altLang="en-US" sz="2800" dirty="0"/>
+              <a:rPr lang="zh-CN" altLang="en-US" sz="2800" b="1" dirty="0"/>
               <a:t>第二类标准：执行了所有的测试用例，但并没有发现故障，则停止测试。 </a:t>
             </a:r>
           </a:p>
@@ -5579,10 +5579,10 @@
               </a:spcBef>
             </a:pPr>
             <a:r>
-              <a:rPr lang="zh-CN" altLang="en-US" sz="2800" dirty="0"/>
+              <a:rPr lang="zh-CN" altLang="en-US" sz="2800" b="1" dirty="0"/>
               <a:t>第三类标准：使用特定的测试用例设计方案作为判断测试停止的基础。 </a:t>
             </a:r>
-            <a:endParaRPr lang="en-US" altLang="zh-CN" sz="2800" dirty="0" smtClean="0"/>
+            <a:endParaRPr lang="en-US" altLang="zh-CN" sz="2800" b="1" dirty="0" smtClean="0"/>
           </a:p>
           <a:p>
             <a:pPr lvl="1">
@@ -5591,7 +5591,7 @@
               </a:spcBef>
             </a:pPr>
             <a:r>
-              <a:rPr lang="zh-CN" altLang="en-US" sz="2800" dirty="0"/>
+              <a:rPr lang="zh-CN" altLang="en-US" sz="2800" b="1" dirty="0"/>
               <a:t>第四类标准：正面指出停止测试的具体要求，即停止测试的标准可定义为查出某一预订数目的故障。 </a:t>
             </a:r>
           </a:p>
@@ -5602,7 +5602,11 @@
               </a:spcBef>
             </a:pPr>
             <a:r>
-              <a:rPr lang="zh-CN" altLang="en-US" sz="2800" dirty="0"/>
+              <a:rPr lang="zh-CN" altLang="en-US" sz="2800" b="1" dirty="0">
+                <a:solidFill>
+                  <a:srgbClr val="FF0000"/>
+                </a:solidFill>
+              </a:rPr>
               <a:t>第五类标准：根据单位时间内查出故障的数量和严重程度决定是否停止测试。</a:t>
             </a:r>
           </a:p>
@@ -6211,18 +6215,7 @@
                 <a:ea typeface="黑体" pitchFamily="49" charset="-122"/>
                 <a:cs typeface="+mj-cs"/>
               </a:rPr>
-              <a:t>测试</a:t>
-            </a:r>
-            <a:r>
-              <a:rPr lang="zh-CN" altLang="en-US" sz="3800" b="1" dirty="0">
-                <a:solidFill>
-                  <a:schemeClr val="tx2"/>
-                </a:solidFill>
-                <a:latin typeface="黑体" pitchFamily="49" charset="-122"/>
-                <a:ea typeface="黑体" pitchFamily="49" charset="-122"/>
-                <a:cs typeface="+mj-cs"/>
-              </a:rPr>
-              <a:t>停止依据</a:t>
+              <a:t>测试停止依据</a:t>
             </a:r>
           </a:p>
         </p:txBody>

--- a/PPT/第三部分 软件测试应用/11.8 测试停止依据.pptx
+++ b/PPT/第三部分 软件测试应用/11.8 测试停止依据.pptx
@@ -5426,8 +5426,12 @@
                 <a:latin typeface="黑体" pitchFamily="49" charset="-122"/>
                 <a:ea typeface="黑体" pitchFamily="49" charset="-122"/>
               </a:rPr>
-              <a:t>测试计划</a:t>
-            </a:r>
+              <a:t>软件测试停止依据</a:t>
+            </a:r>
+            <a:endParaRPr lang="zh-CN" altLang="en-US" b="1" dirty="0" smtClean="0">
+              <a:latin typeface="黑体" pitchFamily="49" charset="-122"/>
+              <a:ea typeface="黑体" pitchFamily="49" charset="-122"/>
+            </a:endParaRPr>
           </a:p>
         </p:txBody>
       </p:sp>

--- a/PPT/第三部分 软件测试应用/11.8 测试停止依据.pptx
+++ b/PPT/第三部分 软件测试应用/11.8 测试停止依据.pptx
@@ -5428,10 +5428,6 @@
               </a:rPr>
               <a:t>软件测试停止依据</a:t>
             </a:r>
-            <a:endParaRPr lang="zh-CN" altLang="en-US" b="1" dirty="0" smtClean="0">
-              <a:latin typeface="黑体" pitchFamily="49" charset="-122"/>
-              <a:ea typeface="黑体" pitchFamily="49" charset="-122"/>
-            </a:endParaRPr>
           </a:p>
         </p:txBody>
       </p:sp>
@@ -5699,8 +5695,12 @@
               <a:defRPr/>
             </a:pPr>
             <a:r>
+              <a:rPr lang="zh-CN" altLang="zh-CN" sz="2400" b="1" dirty="0" smtClean="0"/>
+              <a:t>一级</a:t>
+            </a:r>
+            <a:r>
               <a:rPr lang="zh-CN" altLang="zh-CN" sz="2400" b="1" dirty="0"/>
-              <a:t>一、二级错误修复率应达到</a:t>
+              <a:t>错误修复率应达到</a:t>
             </a:r>
             <a:r>
               <a:rPr lang="en-US" altLang="zh-CN" sz="2400" b="1" dirty="0"/>
@@ -5713,8 +5713,16 @@
               <a:defRPr/>
             </a:pPr>
             <a:r>
+              <a:rPr lang="zh-CN" altLang="en-US" sz="2400" b="1" dirty="0"/>
+              <a:t>二级</a:t>
+            </a:r>
+            <a:r>
+              <a:rPr lang="zh-CN" altLang="zh-CN" sz="2400" b="1" dirty="0" smtClean="0"/>
+              <a:t>级</a:t>
+            </a:r>
+            <a:r>
               <a:rPr lang="zh-CN" altLang="zh-CN" sz="2400" b="1" dirty="0"/>
-              <a:t>三、四级错误修复率应达到</a:t>
+              <a:t>错误修复率应达到</a:t>
             </a:r>
             <a:r>
               <a:rPr lang="en-US" altLang="zh-CN" sz="2400" b="1" dirty="0"/>
@@ -5735,8 +5743,16 @@
               <a:defRPr/>
             </a:pPr>
             <a:r>
+              <a:rPr lang="zh-CN" altLang="en-US" sz="2400" b="1" dirty="0"/>
+              <a:t>三</a:t>
+            </a:r>
+            <a:r>
+              <a:rPr lang="zh-CN" altLang="zh-CN" sz="2400" b="1" dirty="0" smtClean="0"/>
+              <a:t>级</a:t>
+            </a:r>
+            <a:r>
               <a:rPr lang="zh-CN" altLang="zh-CN" sz="2400" b="1" dirty="0"/>
-              <a:t>五级错误修复率应达到</a:t>
+              <a:t>错误修复率应达到</a:t>
             </a:r>
             <a:r>
               <a:rPr lang="en-US" altLang="zh-CN" sz="2400" b="1" dirty="0"/>
